--- a/02_SQLPlus_LoginUserSelect/docs/02_How_to_use.pptx
+++ b/02_SQLPlus_LoginUserSelect/docs/02_How_to_use.pptx
@@ -263,7 +263,7 @@
           <a:p>
             <a:fld id="{0642DC08-93B6-4BA7-B72B-9701C000E1D5}" type="datetimeFigureOut">
               <a:rPr kumimoji="1" lang="ja-JP" altLang="en-US" smtClean="0"/>
-              <a:t>2026/1/1</a:t>
+              <a:t>2026/1/2</a:t>
             </a:fld>
             <a:endParaRPr kumimoji="1" lang="ja-JP" altLang="en-US"/>
           </a:p>
@@ -493,7 +493,7 @@
           <a:p>
             <a:fld id="{0642DC08-93B6-4BA7-B72B-9701C000E1D5}" type="datetimeFigureOut">
               <a:rPr kumimoji="1" lang="ja-JP" altLang="en-US" smtClean="0"/>
-              <a:t>2026/1/1</a:t>
+              <a:t>2026/1/2</a:t>
             </a:fld>
             <a:endParaRPr kumimoji="1" lang="ja-JP" altLang="en-US"/>
           </a:p>
@@ -733,7 +733,7 @@
           <a:p>
             <a:fld id="{0642DC08-93B6-4BA7-B72B-9701C000E1D5}" type="datetimeFigureOut">
               <a:rPr kumimoji="1" lang="ja-JP" altLang="en-US" smtClean="0"/>
-              <a:t>2026/1/1</a:t>
+              <a:t>2026/1/2</a:t>
             </a:fld>
             <a:endParaRPr kumimoji="1" lang="ja-JP" altLang="en-US"/>
           </a:p>
@@ -963,7 +963,7 @@
           <a:p>
             <a:fld id="{0642DC08-93B6-4BA7-B72B-9701C000E1D5}" type="datetimeFigureOut">
               <a:rPr kumimoji="1" lang="ja-JP" altLang="en-US" smtClean="0"/>
-              <a:t>2026/1/1</a:t>
+              <a:t>2026/1/2</a:t>
             </a:fld>
             <a:endParaRPr kumimoji="1" lang="ja-JP" altLang="en-US"/>
           </a:p>
@@ -1238,7 +1238,7 @@
           <a:p>
             <a:fld id="{0642DC08-93B6-4BA7-B72B-9701C000E1D5}" type="datetimeFigureOut">
               <a:rPr kumimoji="1" lang="ja-JP" altLang="en-US" smtClean="0"/>
-              <a:t>2026/1/1</a:t>
+              <a:t>2026/1/2</a:t>
             </a:fld>
             <a:endParaRPr kumimoji="1" lang="ja-JP" altLang="en-US"/>
           </a:p>
@@ -1567,7 +1567,7 @@
           <a:p>
             <a:fld id="{0642DC08-93B6-4BA7-B72B-9701C000E1D5}" type="datetimeFigureOut">
               <a:rPr kumimoji="1" lang="ja-JP" altLang="en-US" smtClean="0"/>
-              <a:t>2026/1/1</a:t>
+              <a:t>2026/1/2</a:t>
             </a:fld>
             <a:endParaRPr kumimoji="1" lang="ja-JP" altLang="en-US"/>
           </a:p>
@@ -2043,7 +2043,7 @@
           <a:p>
             <a:fld id="{0642DC08-93B6-4BA7-B72B-9701C000E1D5}" type="datetimeFigureOut">
               <a:rPr kumimoji="1" lang="ja-JP" altLang="en-US" smtClean="0"/>
-              <a:t>2026/1/1</a:t>
+              <a:t>2026/1/2</a:t>
             </a:fld>
             <a:endParaRPr kumimoji="1" lang="ja-JP" altLang="en-US"/>
           </a:p>
@@ -2184,7 +2184,7 @@
           <a:p>
             <a:fld id="{0642DC08-93B6-4BA7-B72B-9701C000E1D5}" type="datetimeFigureOut">
               <a:rPr kumimoji="1" lang="ja-JP" altLang="en-US" smtClean="0"/>
-              <a:t>2026/1/1</a:t>
+              <a:t>2026/1/2</a:t>
             </a:fld>
             <a:endParaRPr kumimoji="1" lang="ja-JP" altLang="en-US"/>
           </a:p>
@@ -2297,7 +2297,7 @@
           <a:p>
             <a:fld id="{0642DC08-93B6-4BA7-B72B-9701C000E1D5}" type="datetimeFigureOut">
               <a:rPr kumimoji="1" lang="ja-JP" altLang="en-US" smtClean="0"/>
-              <a:t>2026/1/1</a:t>
+              <a:t>2026/1/2</a:t>
             </a:fld>
             <a:endParaRPr kumimoji="1" lang="ja-JP" altLang="en-US"/>
           </a:p>
@@ -2640,7 +2640,7 @@
           <a:p>
             <a:fld id="{0642DC08-93B6-4BA7-B72B-9701C000E1D5}" type="datetimeFigureOut">
               <a:rPr kumimoji="1" lang="ja-JP" altLang="en-US" smtClean="0"/>
-              <a:t>2026/1/1</a:t>
+              <a:t>2026/1/2</a:t>
             </a:fld>
             <a:endParaRPr kumimoji="1" lang="ja-JP" altLang="en-US"/>
           </a:p>
@@ -2928,7 +2928,7 @@
           <a:p>
             <a:fld id="{0642DC08-93B6-4BA7-B72B-9701C000E1D5}" type="datetimeFigureOut">
               <a:rPr kumimoji="1" lang="ja-JP" altLang="en-US" smtClean="0"/>
-              <a:t>2026/1/1</a:t>
+              <a:t>2026/1/2</a:t>
             </a:fld>
             <a:endParaRPr kumimoji="1" lang="ja-JP" altLang="en-US"/>
           </a:p>
@@ -3201,7 +3201,7 @@
           <a:p>
             <a:fld id="{0642DC08-93B6-4BA7-B72B-9701C000E1D5}" type="datetimeFigureOut">
               <a:rPr kumimoji="1" lang="ja-JP" altLang="en-US" smtClean="0"/>
-              <a:t>2026/1/1</a:t>
+              <a:t>2026/1/2</a:t>
             </a:fld>
             <a:endParaRPr kumimoji="1" lang="ja-JP" altLang="en-US"/>
           </a:p>
@@ -3832,8 +3832,8 @@
           </a:p>
           <a:p>
             <a:r>
-              <a:rPr kumimoji="1" lang="en-US" altLang="ja-JP" dirty="0" err="1"/>
-              <a:t>OracleDB</a:t>
+              <a:rPr kumimoji="1" lang="en-US" altLang="ja-JP" dirty="0"/>
+              <a:t>Oracle DB</a:t>
             </a:r>
             <a:r>
               <a:rPr kumimoji="1" lang="ja-JP" altLang="en-US" dirty="0"/>
@@ -4326,8 +4326,8 @@
           </a:p>
           <a:p>
             <a:r>
-              <a:rPr lang="en-US" altLang="ja-JP" dirty="0" err="1"/>
-              <a:t>SQLPlus</a:t>
+              <a:rPr lang="en-US" altLang="ja-JP" dirty="0"/>
+              <a:t>SQL Plus</a:t>
             </a:r>
             <a:r>
               <a:rPr lang="ja-JP" altLang="en-US" dirty="0"/>
@@ -4355,8 +4355,8 @@
               <a:t>ログインに使用したユーザと</a:t>
             </a:r>
             <a:r>
-              <a:rPr kumimoji="1" lang="en-US" altLang="ja-JP" dirty="0" err="1"/>
-              <a:t>SQLPlus</a:t>
+              <a:rPr kumimoji="1" lang="en-US" altLang="ja-JP" dirty="0"/>
+              <a:t>SQL Plus</a:t>
             </a:r>
             <a:r>
               <a:rPr kumimoji="1" lang="ja-JP" altLang="en-US" dirty="0"/>
@@ -4385,8 +4385,8 @@
               <a:t>の値を変更して</a:t>
             </a:r>
             <a:r>
-              <a:rPr lang="en-US" altLang="ja-JP" dirty="0" err="1"/>
-              <a:t>SQLPlus</a:t>
+              <a:rPr lang="en-US" altLang="ja-JP" dirty="0"/>
+              <a:t>SQL Plus</a:t>
             </a:r>
             <a:r>
               <a:rPr lang="ja-JP" altLang="en-US" dirty="0"/>
